--- a/LCO_Brief_Placeholder/Slides/RA Team 1 Slides.pptx
+++ b/LCO_Brief_Placeholder/Slides/RA Team 1 Slides.pptx
@@ -285,7 +285,8 @@
           <a:p>
             <a:fld id="{C2A5472A-5F90-4A46-BBFA-B28DA6387BB6}" type="datetimeFigureOut">
               <a:rPr lang="zh-CN" altLang="en-US" smtClean="0"/>
-              <a:t>2012-03-14</a:t>
+              <a:pPr/>
+              <a:t>2012/3/20</a:t>
             </a:fld>
             <a:endParaRPr lang="zh-CN" altLang="en-US"/>
           </a:p>
@@ -327,6 +328,7 @@
           <a:p>
             <a:fld id="{7C44BF54-742F-4076-99FD-3385B09F4029}" type="slidenum">
               <a:rPr lang="zh-CN" altLang="en-US" smtClean="0"/>
+              <a:pPr/>
               <a:t>‹#›</a:t>
             </a:fld>
             <a:endParaRPr lang="zh-CN" altLang="en-US"/>
@@ -450,7 +452,8 @@
           <a:p>
             <a:fld id="{C2A5472A-5F90-4A46-BBFA-B28DA6387BB6}" type="datetimeFigureOut">
               <a:rPr lang="zh-CN" altLang="en-US" smtClean="0"/>
-              <a:t>2012-03-14</a:t>
+              <a:pPr/>
+              <a:t>2012/3/20</a:t>
             </a:fld>
             <a:endParaRPr lang="zh-CN" altLang="en-US"/>
           </a:p>
@@ -492,6 +495,7 @@
           <a:p>
             <a:fld id="{7C44BF54-742F-4076-99FD-3385B09F4029}" type="slidenum">
               <a:rPr lang="zh-CN" altLang="en-US" smtClean="0"/>
+              <a:pPr/>
               <a:t>‹#›</a:t>
             </a:fld>
             <a:endParaRPr lang="zh-CN" altLang="en-US"/>
@@ -625,7 +629,8 @@
           <a:p>
             <a:fld id="{C2A5472A-5F90-4A46-BBFA-B28DA6387BB6}" type="datetimeFigureOut">
               <a:rPr lang="zh-CN" altLang="en-US" smtClean="0"/>
-              <a:t>2012-03-14</a:t>
+              <a:pPr/>
+              <a:t>2012/3/20</a:t>
             </a:fld>
             <a:endParaRPr lang="zh-CN" altLang="en-US"/>
           </a:p>
@@ -667,6 +672,7 @@
           <a:p>
             <a:fld id="{7C44BF54-742F-4076-99FD-3385B09F4029}" type="slidenum">
               <a:rPr lang="zh-CN" altLang="en-US" smtClean="0"/>
+              <a:pPr/>
               <a:t>‹#›</a:t>
             </a:fld>
             <a:endParaRPr lang="zh-CN" altLang="en-US"/>
@@ -790,7 +796,8 @@
           <a:p>
             <a:fld id="{C2A5472A-5F90-4A46-BBFA-B28DA6387BB6}" type="datetimeFigureOut">
               <a:rPr lang="zh-CN" altLang="en-US" smtClean="0"/>
-              <a:t>2012-03-14</a:t>
+              <a:pPr/>
+              <a:t>2012/3/20</a:t>
             </a:fld>
             <a:endParaRPr lang="zh-CN" altLang="en-US"/>
           </a:p>
@@ -832,6 +839,7 @@
           <a:p>
             <a:fld id="{7C44BF54-742F-4076-99FD-3385B09F4029}" type="slidenum">
               <a:rPr lang="zh-CN" altLang="en-US" smtClean="0"/>
+              <a:pPr/>
               <a:t>‹#›</a:t>
             </a:fld>
             <a:endParaRPr lang="zh-CN" altLang="en-US"/>
@@ -1032,7 +1040,8 @@
           <a:p>
             <a:fld id="{C2A5472A-5F90-4A46-BBFA-B28DA6387BB6}" type="datetimeFigureOut">
               <a:rPr lang="zh-CN" altLang="en-US" smtClean="0"/>
-              <a:t>2012-03-14</a:t>
+              <a:pPr/>
+              <a:t>2012/3/20</a:t>
             </a:fld>
             <a:endParaRPr lang="zh-CN" altLang="en-US"/>
           </a:p>
@@ -1074,6 +1083,7 @@
           <a:p>
             <a:fld id="{7C44BF54-742F-4076-99FD-3385B09F4029}" type="slidenum">
               <a:rPr lang="zh-CN" altLang="en-US" smtClean="0"/>
+              <a:pPr/>
               <a:t>‹#›</a:t>
             </a:fld>
             <a:endParaRPr lang="zh-CN" altLang="en-US"/>
@@ -1296,7 +1306,8 @@
           <a:p>
             <a:fld id="{C2A5472A-5F90-4A46-BBFA-B28DA6387BB6}" type="datetimeFigureOut">
               <a:rPr lang="zh-CN" altLang="en-US" smtClean="0"/>
-              <a:t>2012-03-14</a:t>
+              <a:pPr/>
+              <a:t>2012/3/20</a:t>
             </a:fld>
             <a:endParaRPr lang="zh-CN" altLang="en-US"/>
           </a:p>
@@ -1338,6 +1349,7 @@
           <a:p>
             <a:fld id="{7C44BF54-742F-4076-99FD-3385B09F4029}" type="slidenum">
               <a:rPr lang="zh-CN" altLang="en-US" smtClean="0"/>
+              <a:pPr/>
               <a:t>‹#›</a:t>
             </a:fld>
             <a:endParaRPr lang="zh-CN" altLang="en-US"/>
@@ -1674,7 +1686,8 @@
           <a:p>
             <a:fld id="{C2A5472A-5F90-4A46-BBFA-B28DA6387BB6}" type="datetimeFigureOut">
               <a:rPr lang="zh-CN" altLang="en-US" smtClean="0"/>
-              <a:t>2012-03-14</a:t>
+              <a:pPr/>
+              <a:t>2012/3/20</a:t>
             </a:fld>
             <a:endParaRPr lang="zh-CN" altLang="en-US"/>
           </a:p>
@@ -1716,6 +1729,7 @@
           <a:p>
             <a:fld id="{7C44BF54-742F-4076-99FD-3385B09F4029}" type="slidenum">
               <a:rPr lang="zh-CN" altLang="en-US" smtClean="0"/>
+              <a:pPr/>
               <a:t>‹#›</a:t>
             </a:fld>
             <a:endParaRPr lang="zh-CN" altLang="en-US"/>
@@ -1824,7 +1838,8 @@
           <a:p>
             <a:fld id="{C2A5472A-5F90-4A46-BBFA-B28DA6387BB6}" type="datetimeFigureOut">
               <a:rPr lang="zh-CN" altLang="en-US" smtClean="0"/>
-              <a:t>2012-03-14</a:t>
+              <a:pPr/>
+              <a:t>2012/3/20</a:t>
             </a:fld>
             <a:endParaRPr lang="zh-CN" altLang="en-US"/>
           </a:p>
@@ -1866,6 +1881,7 @@
           <a:p>
             <a:fld id="{7C44BF54-742F-4076-99FD-3385B09F4029}" type="slidenum">
               <a:rPr lang="zh-CN" altLang="en-US" smtClean="0"/>
+              <a:pPr/>
               <a:t>‹#›</a:t>
             </a:fld>
             <a:endParaRPr lang="zh-CN" altLang="en-US"/>
@@ -1914,7 +1930,8 @@
           <a:p>
             <a:fld id="{C2A5472A-5F90-4A46-BBFA-B28DA6387BB6}" type="datetimeFigureOut">
               <a:rPr lang="zh-CN" altLang="en-US" smtClean="0"/>
-              <a:t>2012-03-14</a:t>
+              <a:pPr/>
+              <a:t>2012/3/20</a:t>
             </a:fld>
             <a:endParaRPr lang="zh-CN" altLang="en-US"/>
           </a:p>
@@ -1956,6 +1973,7 @@
           <a:p>
             <a:fld id="{7C44BF54-742F-4076-99FD-3385B09F4029}" type="slidenum">
               <a:rPr lang="zh-CN" altLang="en-US" smtClean="0"/>
+              <a:pPr/>
               <a:t>‹#›</a:t>
             </a:fld>
             <a:endParaRPr lang="zh-CN" altLang="en-US"/>
@@ -2175,7 +2193,8 @@
           <a:p>
             <a:fld id="{C2A5472A-5F90-4A46-BBFA-B28DA6387BB6}" type="datetimeFigureOut">
               <a:rPr lang="zh-CN" altLang="en-US" smtClean="0"/>
-              <a:t>2012-03-14</a:t>
+              <a:pPr/>
+              <a:t>2012/3/20</a:t>
             </a:fld>
             <a:endParaRPr lang="zh-CN" altLang="en-US"/>
           </a:p>
@@ -2217,6 +2236,7 @@
           <a:p>
             <a:fld id="{7C44BF54-742F-4076-99FD-3385B09F4029}" type="slidenum">
               <a:rPr lang="zh-CN" altLang="en-US" smtClean="0"/>
+              <a:pPr/>
               <a:t>‹#›</a:t>
             </a:fld>
             <a:endParaRPr lang="zh-CN" altLang="en-US"/>
@@ -2463,7 +2483,8 @@
           <a:p>
             <a:fld id="{C2A5472A-5F90-4A46-BBFA-B28DA6387BB6}" type="datetimeFigureOut">
               <a:rPr lang="zh-CN" altLang="en-US" smtClean="0"/>
-              <a:t>2012-03-14</a:t>
+              <a:pPr/>
+              <a:t>2012/3/20</a:t>
             </a:fld>
             <a:endParaRPr lang="zh-CN" altLang="en-US"/>
           </a:p>
@@ -2510,6 +2531,7 @@
           <a:p>
             <a:fld id="{7C44BF54-742F-4076-99FD-3385B09F4029}" type="slidenum">
               <a:rPr lang="zh-CN" altLang="en-US" smtClean="0"/>
+              <a:pPr/>
               <a:t>‹#›</a:t>
             </a:fld>
             <a:endParaRPr lang="zh-CN" altLang="en-US"/>
@@ -3234,7 +3256,8 @@
           <a:p>
             <a:fld id="{C2A5472A-5F90-4A46-BBFA-B28DA6387BB6}" type="datetimeFigureOut">
               <a:rPr lang="zh-CN" altLang="en-US" smtClean="0"/>
-              <a:t>2012-03-14</a:t>
+              <a:pPr/>
+              <a:t>2012/3/20</a:t>
             </a:fld>
             <a:endParaRPr lang="zh-CN" altLang="en-US"/>
           </a:p>
@@ -3312,6 +3335,7 @@
           <a:p>
             <a:fld id="{7C44BF54-742F-4076-99FD-3385B09F4029}" type="slidenum">
               <a:rPr lang="zh-CN" altLang="en-US" smtClean="0"/>
+              <a:pPr/>
               <a:t>‹#›</a:t>
             </a:fld>
             <a:endParaRPr lang="zh-CN" altLang="en-US"/>
